--- a/Calc Script 2.pptx
+++ b/Calc Script 2.pptx
@@ -5955,7 +5955,9 @@
           </a:xfrm>
         </p:spPr>
         <p:txBody>
-          <a:bodyPr/>
+          <a:bodyPr>
+            <a:normAutofit lnSpcReduction="10000"/>
+          </a:bodyPr>
           <a:lstStyle/>
           <a:p>
             <a:pPr marL="0" indent="0">
@@ -6026,7 +6028,7 @@
             </a:r>
             <a:r>
               <a:rPr lang="en-NZ" dirty="0"/>
-              <a:t> , Real , String IFC(</a:t>
+              <a:t> IFC, Real IFC, String IFC(</a:t>
             </a:r>
             <a:r>
               <a:rPr lang="en-NZ" dirty="0" err="1"/>
@@ -6066,7 +6068,7 @@
             </a:r>
             <a:r>
               <a:rPr lang="en-NZ" dirty="0"/>
-              <a:t>(context </a:t>
+              <a:t>(context name </a:t>
             </a:r>
             <a:r>
               <a:rPr lang="en-NZ" dirty="0" err="1"/>
@@ -6125,6 +6127,12 @@
             <a:r>
               <a:rPr lang="en-NZ" dirty="0"/>
               <a:t>Bind classes and access the math results directly.</a:t>
+            </a:r>
+          </a:p>
+          <a:p>
+            <a:r>
+              <a:rPr lang="en-NZ" dirty="0"/>
+              <a:t>Bind local functions in any language that supports C or pascal calling.</a:t>
             </a:r>
           </a:p>
         </p:txBody>
@@ -6180,8 +6188,52 @@
           <a:lstStyle/>
           <a:p>
             <a:r>
+              <a:rPr lang="en-NZ" dirty="0" err="1"/>
+              <a:t>Calc</a:t>
+            </a:r>
+            <a:r>
               <a:rPr lang="en-NZ" dirty="0"/>
-              <a:t>Create a </a:t>
+              <a:t> Example in Clarion</a:t>
+            </a:r>
+            <a:r>
+              <a:rPr lang="en-NZ"/>
+              <a:t>		</a:t>
+            </a:r>
+            <a:endParaRPr lang="en-NZ" dirty="0"/>
+          </a:p>
+        </p:txBody>
+      </p:sp>
+      <p:sp>
+        <p:nvSpPr>
+          <p:cNvPr id="3" name="Content Placeholder 2"/>
+          <p:cNvSpPr>
+            <a:spLocks noGrp="1"/>
+          </p:cNvSpPr>
+          <p:nvPr>
+            <p:ph idx="1"/>
+          </p:nvPr>
+        </p:nvSpPr>
+        <p:spPr>
+          <a:xfrm>
+            <a:off x="685800" y="851095"/>
+            <a:ext cx="10820400" cy="5697415"/>
+          </a:xfrm>
+        </p:spPr>
+        <p:txBody>
+          <a:bodyPr/>
+          <a:lstStyle/>
+          <a:p>
+            <a:r>
+              <a:rPr lang="en-NZ" dirty="0"/>
+              <a:t>Calc2   &amp;</a:t>
+            </a:r>
+            <a:r>
+              <a:rPr lang="en-NZ" dirty="0" err="1"/>
+              <a:t>Icalcscript</a:t>
+            </a:r>
+            <a:r>
+              <a:rPr lang="en-NZ" dirty="0"/>
+              <a:t> !  Declare a </a:t>
             </a:r>
             <a:r>
               <a:rPr lang="en-NZ" dirty="0" err="1"/>
@@ -6189,49 +6241,6 @@
             </a:r>
             <a:r>
               <a:rPr lang="en-NZ" dirty="0"/>
-              <a:t> script object	</a:t>
-            </a:r>
-          </a:p>
-        </p:txBody>
-      </p:sp>
-      <p:sp>
-        <p:nvSpPr>
-          <p:cNvPr id="3" name="Content Placeholder 2"/>
-          <p:cNvSpPr>
-            <a:spLocks noGrp="1"/>
-          </p:cNvSpPr>
-          <p:nvPr>
-            <p:ph idx="1"/>
-          </p:nvPr>
-        </p:nvSpPr>
-        <p:spPr>
-          <a:xfrm>
-            <a:off x="685800" y="851095"/>
-            <a:ext cx="10820400" cy="5697415"/>
-          </a:xfrm>
-        </p:spPr>
-        <p:txBody>
-          <a:bodyPr/>
-          <a:lstStyle/>
-          <a:p>
-            <a:r>
-              <a:rPr lang="en-NZ" dirty="0"/>
-              <a:t>Calc2   &amp;</a:t>
-            </a:r>
-            <a:r>
-              <a:rPr lang="en-NZ" dirty="0" err="1"/>
-              <a:t>Icalcscript</a:t>
-            </a:r>
-            <a:r>
-              <a:rPr lang="en-NZ" dirty="0"/>
-              <a:t> !  Declare </a:t>
-            </a:r>
-            <a:r>
-              <a:rPr lang="en-NZ" dirty="0" err="1"/>
-              <a:t>acalc</a:t>
-            </a:r>
-            <a:r>
-              <a:rPr lang="en-NZ" dirty="0"/>
               <a:t> script interface to calc2</a:t>
             </a:r>
           </a:p>
@@ -6327,7 +6336,15 @@
           <a:p>
             <a:r>
               <a:rPr lang="en-NZ" dirty="0"/>
-              <a:t>Calc2.Bindint(QTYYTD) ! Bind a long variable to </a:t>
+              <a:t>Calc2.Bindint(‘</a:t>
+            </a:r>
+            <a:r>
+              <a:rPr lang="en-NZ" dirty="0"/>
+              <a:t>QTYYTD ‘,</a:t>
+            </a:r>
+            <a:r>
+              <a:rPr lang="en-NZ" dirty="0"/>
+              <a:t>QTYYTD) ! Bind a long variable to </a:t>
             </a:r>
             <a:r>
               <a:rPr lang="en-NZ" dirty="0" err="1"/>

--- a/Calc Script 2.pptx
+++ b/Calc Script 2.pptx
@@ -6052,15 +6052,7 @@
             </a:r>
             <a:r>
               <a:rPr lang="en-NZ" dirty="0"/>
-              <a:t>(context </a:t>
-            </a:r>
-            <a:r>
-              <a:rPr lang="en-NZ" dirty="0" err="1"/>
-              <a:t>cstring,address</a:t>
-            </a:r>
-            <a:r>
-              <a:rPr lang="en-NZ" dirty="0"/>
-              <a:t>),</a:t>
+              <a:t>(context ,address),</a:t>
             </a:r>
             <a:r>
               <a:rPr lang="en-NZ" dirty="0" err="1"/>
@@ -6081,10 +6073,6 @@
           </a:p>
           <a:p>
             <a:r>
-              <a:rPr lang="en-NZ" dirty="0"/>
-              <a:t> </a:t>
-            </a:r>
-            <a:r>
               <a:rPr lang="en-NZ" b="1" dirty="0" err="1"/>
               <a:t>getParamStr</a:t>
             </a:r>
@@ -6115,8 +6103,12 @@
           </a:p>
           <a:p>
             <a:r>
-              <a:rPr lang="en-NZ" dirty="0" err="1"/>
-              <a:t>Getboundcontext</a:t>
+              <a:rPr lang="en-NZ" dirty="0"/>
+              <a:t>g</a:t>
+            </a:r>
+            <a:r>
+              <a:rPr lang="en-NZ"/>
+              <a:t>etboundcontext</a:t>
             </a:r>
             <a:r>
               <a:rPr lang="en-NZ" dirty="0"/>
@@ -6336,15 +6328,7 @@
           <a:p>
             <a:r>
               <a:rPr lang="en-NZ" dirty="0"/>
-              <a:t>Calc2.Bindint(‘</a:t>
-            </a:r>
-            <a:r>
-              <a:rPr lang="en-NZ" dirty="0"/>
-              <a:t>QTYYTD ‘,</a:t>
-            </a:r>
-            <a:r>
-              <a:rPr lang="en-NZ" dirty="0"/>
-              <a:t>QTYYTD) ! Bind a long variable to </a:t>
+              <a:t>Calc2.Bindint(‘QTYYTD ‘,QTYYTD) ! Bind a long variable to </a:t>
             </a:r>
             <a:r>
               <a:rPr lang="en-NZ" dirty="0" err="1"/>
@@ -6394,7 +6378,6 @@
               <a:rPr lang="en-NZ" dirty="0"/>
               <a:t>) ! Compute the result</a:t>
             </a:r>
-            <a:endParaRPr lang="en-NZ" dirty="0"/>
           </a:p>
         </p:txBody>
       </p:sp>

--- a/Calc Script 2.pptx
+++ b/Calc Script 2.pptx
@@ -6263,7 +6263,7 @@
           <a:p>
             <a:r>
               <a:rPr lang="en-NZ" dirty="0"/>
-              <a:t>QYTYTD  long ! Local </a:t>
+              <a:t>QTYYTD  long ! Local </a:t>
             </a:r>
             <a:r>
               <a:rPr lang="en-NZ" dirty="0" err="1"/>
@@ -6277,7 +6277,7 @@
           <a:p>
             <a:r>
               <a:rPr lang="en-NZ" dirty="0" err="1"/>
-              <a:t>QYTTotal</a:t>
+              <a:t>QTYTotal</a:t>
             </a:r>
             <a:r>
               <a:rPr lang="en-NZ" dirty="0"/>
@@ -6342,7 +6342,7 @@
           <a:p>
             <a:r>
               <a:rPr lang="en-NZ" dirty="0"/>
-              <a:t>QYTYTD = 45000</a:t>
+              <a:t>QTYYTD = 45000</a:t>
             </a:r>
           </a:p>
           <a:p>
@@ -6363,8 +6363,8 @@
           </a:p>
           <a:p>
             <a:r>
-              <a:rPr lang="en-NZ" dirty="0" err="1"/>
-              <a:t>QYTTotal</a:t>
+              <a:rPr lang="en-NZ"/>
+              <a:t>QTYTotal</a:t>
             </a:r>
             <a:r>
               <a:rPr lang="en-NZ" dirty="0"/>
